--- a/2015-10_Lecture/Lecture5/2015-11-02_Convolutional_NN.pptx
+++ b/2015-10_Lecture/Lecture5/2015-11-02_Convolutional_NN.pptx
@@ -7962,7 +7962,15 @@
           <a:p>
             <a:r>
               <a:rPr lang="en-US" dirty="0" smtClean="0"/>
-              <a:t>A lot of literature on max pooling originated from Computer Vision</a:t>
+              <a:t>A lot of literature on max pooling originated from computer </a:t>
+            </a:r>
+            <a:r>
+              <a:rPr lang="en-US" dirty="0"/>
+              <a:t>v</a:t>
+            </a:r>
+            <a:r>
+              <a:rPr lang="en-US" dirty="0" smtClean="0"/>
+              <a:t>ision</a:t>
             </a:r>
           </a:p>
           <a:p>
@@ -35753,10 +35761,25 @@
               <a:t> </a:t>
             </a:r>
             <a:r>
-              <a:rPr lang="de-DE" i="1" dirty="0" err="1"/>
+              <a:rPr lang="de-DE" i="1" dirty="0" err="1" smtClean="0"/>
               <a:t>Classification</a:t>
             </a:r>
-            <a:endParaRPr lang="de-DE" i="1" dirty="0"/>
+            <a:endParaRPr lang="de-DE" i="1" dirty="0" smtClean="0"/>
+          </a:p>
+          <a:p>
+            <a:r>
+              <a:rPr lang="de-DE" dirty="0">
+                <a:hlinkClick r:id="rId3"/>
+              </a:rPr>
+              <a:t>http://cs231n.github.io/convolutional-networks</a:t>
+            </a:r>
+            <a:r>
+              <a:rPr lang="de-DE" dirty="0" smtClean="0">
+                <a:hlinkClick r:id="rId3"/>
+              </a:rPr>
+              <a:t>/</a:t>
+            </a:r>
+            <a:endParaRPr lang="de-DE" dirty="0"/>
           </a:p>
           <a:p>
             <a:pPr marL="0" indent="0">
@@ -36836,7 +36859,11 @@
             </a:r>
             <a:r>
               <a:rPr lang="de-DE" dirty="0" smtClean="0"/>
-              <a:t>-art</a:t>
+              <a:t>-art </a:t>
+            </a:r>
+            <a:r>
+              <a:rPr lang="de-DE" dirty="0" err="1" smtClean="0"/>
+              <a:t>performance</a:t>
             </a:r>
             <a:endParaRPr lang="de-DE" dirty="0"/>
           </a:p>
@@ -38867,7 +38894,15 @@
           <a:p>
             <a:r>
               <a:rPr lang="en-US" dirty="0" smtClean="0"/>
-              <a:t>For each window use the same weight and bias matrix (shared weights)</a:t>
+              <a:t>For each window use the same weight and bias </a:t>
+            </a:r>
+            <a:r>
+              <a:rPr lang="en-US" dirty="0" smtClean="0"/>
+              <a:t>values (shared </a:t>
+            </a:r>
+            <a:r>
+              <a:rPr lang="en-US" dirty="0" smtClean="0"/>
+              <a:t>weights)</a:t>
             </a:r>
           </a:p>
           <a:p>
@@ -40846,7 +40881,15 @@
           <a:p>
             <a:r>
               <a:rPr lang="en-US" dirty="0" smtClean="0"/>
-              <a:t>Max-pooling most common in NLP. In Computer Vision, min-pooling and mean-pooling also common.</a:t>
+              <a:t>Max-pooling most common in NLP. In Computer Vision, </a:t>
+            </a:r>
+            <a:r>
+              <a:rPr lang="en-US" dirty="0" smtClean="0"/>
+              <a:t>min-pooling and </a:t>
+            </a:r>
+            <a:r>
+              <a:rPr lang="en-US" dirty="0" smtClean="0"/>
+              <a:t>mean-pooling also common.</a:t>
             </a:r>
           </a:p>
         </p:txBody>
@@ -41026,6 +41069,12 @@
             </a:r>
           </a:p>
           <a:p>
+            <a:r>
+              <a:rPr lang="en-US" dirty="0" smtClean="0"/>
+              <a:t>Be careful, don’t confuse max pooling and max-over-time pooling</a:t>
+            </a:r>
+          </a:p>
+          <a:p>
             <a:endParaRPr lang="en-US" dirty="0"/>
           </a:p>
           <a:p>
@@ -41080,7 +41129,7 @@
         </p:blipFill>
         <p:spPr bwMode="auto">
           <a:xfrm>
-            <a:off x="971600" y="2132856"/>
+            <a:off x="971600" y="2603520"/>
             <a:ext cx="3190699" cy="2520280"/>
           </a:xfrm>
           <a:prstGeom prst="rect">
@@ -41121,7 +41170,7 @@
         </p:blipFill>
         <p:spPr bwMode="auto">
           <a:xfrm>
-            <a:off x="4499992" y="2408684"/>
+            <a:off x="4499992" y="2879348"/>
             <a:ext cx="4210074" cy="1968624"/>
           </a:xfrm>
           <a:prstGeom prst="rect">
@@ -41170,7 +41219,7 @@
         </p:nvSpPr>
         <p:spPr>
           <a:xfrm>
-            <a:off x="199310" y="4725144"/>
+            <a:off x="199310" y="5195808"/>
             <a:ext cx="8784976" cy="969496"/>
           </a:xfrm>
           <a:prstGeom prst="rect">
